--- a/LLNL/LLNL_Meeting_90922.pptx
+++ b/LLNL/LLNL_Meeting_90922.pptx
@@ -14,7 +14,7 @@
     <p:sldId id="264" r:id="rId8"/>
     <p:sldId id="266" r:id="rId9"/>
     <p:sldId id="267" r:id="rId10"/>
-    <p:sldId id="270" r:id="rId11"/>
+    <p:sldId id="273" r:id="rId11"/>
     <p:sldId id="271" r:id="rId12"/>
     <p:sldId id="272" r:id="rId13"/>
   </p:sldIdLst>
@@ -217,7 +217,6 @@
               <a:solidFill>
                 <a:srgbClr val="FF0000"/>
               </a:solidFill>
-              <a:prstDash val="solid"/>
               <a:round/>
             </a:ln>
             <a:effectLst/>
@@ -227,11 +226,11 @@
             <c:size val="5"/>
             <c:spPr>
               <a:solidFill>
-                <a:srgbClr val="0070C0"/>
+                <a:srgbClr val="00B0F0"/>
               </a:solidFill>
-              <a:ln w="9525">
+              <a:ln w="6350">
                 <a:solidFill>
-                  <a:srgbClr val="0070C0"/>
+                  <a:srgbClr val="00B0F0"/>
                 </a:solidFill>
               </a:ln>
               <a:effectLst/>
@@ -239,10 +238,10 @@
           </c:marker>
           <c:xVal>
             <c:numRef>
-              <c:f>Sheet1!$A$2:$A$52</c:f>
+              <c:f>Sheet1!$A$2:$A$61</c:f>
               <c:numCache>
                 <c:formatCode>General</c:formatCode>
-                <c:ptCount val="51"/>
+                <c:ptCount val="60"/>
                 <c:pt idx="0">
                   <c:v>1</c:v>
                 </c:pt>
@@ -395,16 +394,43 @@
                 </c:pt>
                 <c:pt idx="50">
                   <c:v>51</c:v>
+                </c:pt>
+                <c:pt idx="51">
+                  <c:v>52</c:v>
+                </c:pt>
+                <c:pt idx="52">
+                  <c:v>53</c:v>
+                </c:pt>
+                <c:pt idx="53">
+                  <c:v>54</c:v>
+                </c:pt>
+                <c:pt idx="54">
+                  <c:v>55</c:v>
+                </c:pt>
+                <c:pt idx="55">
+                  <c:v>56</c:v>
+                </c:pt>
+                <c:pt idx="56">
+                  <c:v>57</c:v>
+                </c:pt>
+                <c:pt idx="57">
+                  <c:v>58</c:v>
+                </c:pt>
+                <c:pt idx="58">
+                  <c:v>59</c:v>
+                </c:pt>
+                <c:pt idx="59">
+                  <c:v>60</c:v>
                 </c:pt>
               </c:numCache>
             </c:numRef>
           </c:xVal>
           <c:yVal>
             <c:numRef>
-              <c:f>Sheet1!$B$2:$B$52</c:f>
+              <c:f>Sheet1!$B$2:$B$61</c:f>
               <c:numCache>
                 <c:formatCode>General</c:formatCode>
-                <c:ptCount val="51"/>
+                <c:ptCount val="60"/>
                 <c:pt idx="0">
                   <c:v>5.5300000000000002E-2</c:v>
                 </c:pt>
@@ -556,6 +582,33 @@
                   <c:v>0.24210000000000001</c:v>
                 </c:pt>
                 <c:pt idx="50">
+                  <c:v>0.24210000000000001</c:v>
+                </c:pt>
+                <c:pt idx="51">
+                  <c:v>0.24210000000000001</c:v>
+                </c:pt>
+                <c:pt idx="52">
+                  <c:v>0.24210000000000001</c:v>
+                </c:pt>
+                <c:pt idx="53">
+                  <c:v>0.24210000000000001</c:v>
+                </c:pt>
+                <c:pt idx="54">
+                  <c:v>0.24210000000000001</c:v>
+                </c:pt>
+                <c:pt idx="55">
+                  <c:v>0.24210000000000001</c:v>
+                </c:pt>
+                <c:pt idx="56">
+                  <c:v>0.24210000000000001</c:v>
+                </c:pt>
+                <c:pt idx="57">
+                  <c:v>0.24210000000000001</c:v>
+                </c:pt>
+                <c:pt idx="58">
+                  <c:v>0.24210000000000001</c:v>
+                </c:pt>
+                <c:pt idx="59">
                   <c:v>0.24210000000000001</c:v>
                 </c:pt>
               </c:numCache>
@@ -564,7 +617,837 @@
           <c:smooth val="0"/>
           <c:extLst>
             <c:ext xmlns:c16="http://schemas.microsoft.com/office/drawing/2014/chart" uri="{C3380CC4-5D6E-409C-BE32-E72D297353CC}">
-              <c16:uniqueId val="{00000000-8DF6-4949-AC2F-6CCB70F558F1}"/>
+              <c16:uniqueId val="{00000000-3DE1-4B42-9D6A-E555A8521A86}"/>
+            </c:ext>
+          </c:extLst>
+        </c:ser>
+        <c:ser>
+          <c:idx val="1"/>
+          <c:order val="1"/>
+          <c:tx>
+            <c:v>R_c</c:v>
+          </c:tx>
+          <c:spPr>
+            <a:ln w="25400" cap="rnd">
+              <a:solidFill>
+                <a:srgbClr val="FFC000"/>
+              </a:solidFill>
+              <a:round/>
+            </a:ln>
+            <a:effectLst/>
+          </c:spPr>
+          <c:marker>
+            <c:symbol val="circle"/>
+            <c:size val="5"/>
+            <c:spPr>
+              <a:solidFill>
+                <a:srgbClr val="7030A0"/>
+              </a:solidFill>
+              <a:ln w="6350">
+                <a:solidFill>
+                  <a:srgbClr val="7030A0"/>
+                </a:solidFill>
+              </a:ln>
+              <a:effectLst/>
+            </c:spPr>
+          </c:marker>
+          <c:xVal>
+            <c:numRef>
+              <c:f>Sheet1!$A$2:$A$61</c:f>
+              <c:numCache>
+                <c:formatCode>General</c:formatCode>
+                <c:ptCount val="60"/>
+                <c:pt idx="0">
+                  <c:v>1</c:v>
+                </c:pt>
+                <c:pt idx="1">
+                  <c:v>2</c:v>
+                </c:pt>
+                <c:pt idx="2">
+                  <c:v>3</c:v>
+                </c:pt>
+                <c:pt idx="3">
+                  <c:v>4</c:v>
+                </c:pt>
+                <c:pt idx="4">
+                  <c:v>5</c:v>
+                </c:pt>
+                <c:pt idx="5">
+                  <c:v>6</c:v>
+                </c:pt>
+                <c:pt idx="6">
+                  <c:v>7</c:v>
+                </c:pt>
+                <c:pt idx="7">
+                  <c:v>8</c:v>
+                </c:pt>
+                <c:pt idx="8">
+                  <c:v>9</c:v>
+                </c:pt>
+                <c:pt idx="9">
+                  <c:v>10</c:v>
+                </c:pt>
+                <c:pt idx="10">
+                  <c:v>11</c:v>
+                </c:pt>
+                <c:pt idx="11">
+                  <c:v>12</c:v>
+                </c:pt>
+                <c:pt idx="12">
+                  <c:v>13</c:v>
+                </c:pt>
+                <c:pt idx="13">
+                  <c:v>14</c:v>
+                </c:pt>
+                <c:pt idx="14">
+                  <c:v>15</c:v>
+                </c:pt>
+                <c:pt idx="15">
+                  <c:v>16</c:v>
+                </c:pt>
+                <c:pt idx="16">
+                  <c:v>17</c:v>
+                </c:pt>
+                <c:pt idx="17">
+                  <c:v>18</c:v>
+                </c:pt>
+                <c:pt idx="18">
+                  <c:v>19</c:v>
+                </c:pt>
+                <c:pt idx="19">
+                  <c:v>20</c:v>
+                </c:pt>
+                <c:pt idx="20">
+                  <c:v>21</c:v>
+                </c:pt>
+                <c:pt idx="21">
+                  <c:v>22</c:v>
+                </c:pt>
+                <c:pt idx="22">
+                  <c:v>23</c:v>
+                </c:pt>
+                <c:pt idx="23">
+                  <c:v>24</c:v>
+                </c:pt>
+                <c:pt idx="24">
+                  <c:v>25</c:v>
+                </c:pt>
+                <c:pt idx="25">
+                  <c:v>26</c:v>
+                </c:pt>
+                <c:pt idx="26">
+                  <c:v>27</c:v>
+                </c:pt>
+                <c:pt idx="27">
+                  <c:v>28</c:v>
+                </c:pt>
+                <c:pt idx="28">
+                  <c:v>29</c:v>
+                </c:pt>
+                <c:pt idx="29">
+                  <c:v>30</c:v>
+                </c:pt>
+                <c:pt idx="30">
+                  <c:v>31</c:v>
+                </c:pt>
+                <c:pt idx="31">
+                  <c:v>32</c:v>
+                </c:pt>
+                <c:pt idx="32">
+                  <c:v>33</c:v>
+                </c:pt>
+                <c:pt idx="33">
+                  <c:v>34</c:v>
+                </c:pt>
+                <c:pt idx="34">
+                  <c:v>35</c:v>
+                </c:pt>
+                <c:pt idx="35">
+                  <c:v>36</c:v>
+                </c:pt>
+                <c:pt idx="36">
+                  <c:v>37</c:v>
+                </c:pt>
+                <c:pt idx="37">
+                  <c:v>38</c:v>
+                </c:pt>
+                <c:pt idx="38">
+                  <c:v>39</c:v>
+                </c:pt>
+                <c:pt idx="39">
+                  <c:v>40</c:v>
+                </c:pt>
+                <c:pt idx="40">
+                  <c:v>41</c:v>
+                </c:pt>
+                <c:pt idx="41">
+                  <c:v>42</c:v>
+                </c:pt>
+                <c:pt idx="42">
+                  <c:v>43</c:v>
+                </c:pt>
+                <c:pt idx="43">
+                  <c:v>44</c:v>
+                </c:pt>
+                <c:pt idx="44">
+                  <c:v>45</c:v>
+                </c:pt>
+                <c:pt idx="45">
+                  <c:v>46</c:v>
+                </c:pt>
+                <c:pt idx="46">
+                  <c:v>47</c:v>
+                </c:pt>
+                <c:pt idx="47">
+                  <c:v>48</c:v>
+                </c:pt>
+                <c:pt idx="48">
+                  <c:v>49</c:v>
+                </c:pt>
+                <c:pt idx="49">
+                  <c:v>50</c:v>
+                </c:pt>
+                <c:pt idx="50">
+                  <c:v>51</c:v>
+                </c:pt>
+                <c:pt idx="51">
+                  <c:v>52</c:v>
+                </c:pt>
+                <c:pt idx="52">
+                  <c:v>53</c:v>
+                </c:pt>
+                <c:pt idx="53">
+                  <c:v>54</c:v>
+                </c:pt>
+                <c:pt idx="54">
+                  <c:v>55</c:v>
+                </c:pt>
+                <c:pt idx="55">
+                  <c:v>56</c:v>
+                </c:pt>
+                <c:pt idx="56">
+                  <c:v>57</c:v>
+                </c:pt>
+                <c:pt idx="57">
+                  <c:v>58</c:v>
+                </c:pt>
+                <c:pt idx="58">
+                  <c:v>59</c:v>
+                </c:pt>
+                <c:pt idx="59">
+                  <c:v>60</c:v>
+                </c:pt>
+              </c:numCache>
+            </c:numRef>
+          </c:xVal>
+          <c:yVal>
+            <c:numRef>
+              <c:f>Sheet1!$E$2:$E$61</c:f>
+              <c:numCache>
+                <c:formatCode>General</c:formatCode>
+                <c:ptCount val="60"/>
+                <c:pt idx="0">
+                  <c:v>3.5999999999999999E-3</c:v>
+                </c:pt>
+                <c:pt idx="1">
+                  <c:v>7.1000000000000004E-3</c:v>
+                </c:pt>
+                <c:pt idx="2">
+                  <c:v>1.0699999999999999E-2</c:v>
+                </c:pt>
+                <c:pt idx="3">
+                  <c:v>1.43E-2</c:v>
+                </c:pt>
+                <c:pt idx="4">
+                  <c:v>1.7899999999999999E-2</c:v>
+                </c:pt>
+                <c:pt idx="5">
+                  <c:v>2.1499999999999998E-2</c:v>
+                </c:pt>
+                <c:pt idx="6">
+                  <c:v>2.5000000000000001E-2</c:v>
+                </c:pt>
+                <c:pt idx="7">
+                  <c:v>2.86E-2</c:v>
+                </c:pt>
+                <c:pt idx="8">
+                  <c:v>3.2199999999999999E-2</c:v>
+                </c:pt>
+                <c:pt idx="9">
+                  <c:v>3.5799999999999998E-2</c:v>
+                </c:pt>
+                <c:pt idx="10">
+                  <c:v>3.9300000000000002E-2</c:v>
+                </c:pt>
+                <c:pt idx="11">
+                  <c:v>4.2900000000000001E-2</c:v>
+                </c:pt>
+                <c:pt idx="12">
+                  <c:v>4.65E-2</c:v>
+                </c:pt>
+                <c:pt idx="13">
+                  <c:v>5.0099999999999999E-2</c:v>
+                </c:pt>
+                <c:pt idx="14">
+                  <c:v>5.3600000000000002E-2</c:v>
+                </c:pt>
+                <c:pt idx="15">
+                  <c:v>5.7200000000000001E-2</c:v>
+                </c:pt>
+                <c:pt idx="16">
+                  <c:v>6.08E-2</c:v>
+                </c:pt>
+                <c:pt idx="17">
+                  <c:v>6.4399999999999999E-2</c:v>
+                </c:pt>
+                <c:pt idx="18">
+                  <c:v>6.7900000000000002E-2</c:v>
+                </c:pt>
+                <c:pt idx="19">
+                  <c:v>7.1499999999999994E-2</c:v>
+                </c:pt>
+                <c:pt idx="20">
+                  <c:v>7.51E-2</c:v>
+                </c:pt>
+                <c:pt idx="21">
+                  <c:v>7.8700000000000006E-2</c:v>
+                </c:pt>
+                <c:pt idx="22">
+                  <c:v>8.2299999999999998E-2</c:v>
+                </c:pt>
+                <c:pt idx="23">
+                  <c:v>8.5800000000000001E-2</c:v>
+                </c:pt>
+                <c:pt idx="24">
+                  <c:v>8.9399999999999993E-2</c:v>
+                </c:pt>
+                <c:pt idx="25">
+                  <c:v>9.2999999999999999E-2</c:v>
+                </c:pt>
+                <c:pt idx="26">
+                  <c:v>9.6600000000000005E-2</c:v>
+                </c:pt>
+                <c:pt idx="27">
+                  <c:v>0.10009999999999999</c:v>
+                </c:pt>
+                <c:pt idx="28">
+                  <c:v>0.1037</c:v>
+                </c:pt>
+                <c:pt idx="29">
+                  <c:v>0.10730000000000001</c:v>
+                </c:pt>
+                <c:pt idx="30">
+                  <c:v>0.1109</c:v>
+                </c:pt>
+                <c:pt idx="31">
+                  <c:v>0.1144</c:v>
+                </c:pt>
+                <c:pt idx="32">
+                  <c:v>0.11799999999999999</c:v>
+                </c:pt>
+                <c:pt idx="33">
+                  <c:v>0.1216</c:v>
+                </c:pt>
+                <c:pt idx="34">
+                  <c:v>0.12520000000000001</c:v>
+                </c:pt>
+                <c:pt idx="35">
+                  <c:v>0.1288</c:v>
+                </c:pt>
+                <c:pt idx="36">
+                  <c:v>0.1323</c:v>
+                </c:pt>
+                <c:pt idx="37">
+                  <c:v>0.13589999999999999</c:v>
+                </c:pt>
+                <c:pt idx="38">
+                  <c:v>0.13950000000000001</c:v>
+                </c:pt>
+                <c:pt idx="39">
+                  <c:v>0.1431</c:v>
+                </c:pt>
+                <c:pt idx="40">
+                  <c:v>0.14660000000000001</c:v>
+                </c:pt>
+                <c:pt idx="41">
+                  <c:v>0.1502</c:v>
+                </c:pt>
+                <c:pt idx="42">
+                  <c:v>0.15379999999999999</c:v>
+                </c:pt>
+                <c:pt idx="43">
+                  <c:v>0.15740000000000001</c:v>
+                </c:pt>
+                <c:pt idx="44">
+                  <c:v>0.16089999999999999</c:v>
+                </c:pt>
+                <c:pt idx="45">
+                  <c:v>0.16450000000000001</c:v>
+                </c:pt>
+                <c:pt idx="46">
+                  <c:v>0.1681</c:v>
+                </c:pt>
+                <c:pt idx="47">
+                  <c:v>0.17169999999999999</c:v>
+                </c:pt>
+                <c:pt idx="48">
+                  <c:v>0.17530000000000001</c:v>
+                </c:pt>
+                <c:pt idx="49">
+                  <c:v>0.17879999999999999</c:v>
+                </c:pt>
+                <c:pt idx="50">
+                  <c:v>0.17879999999999999</c:v>
+                </c:pt>
+                <c:pt idx="51">
+                  <c:v>0.17879999999999999</c:v>
+                </c:pt>
+                <c:pt idx="52">
+                  <c:v>0.17879999999999999</c:v>
+                </c:pt>
+                <c:pt idx="53">
+                  <c:v>0.17879999999999999</c:v>
+                </c:pt>
+                <c:pt idx="54">
+                  <c:v>0.17879999999999999</c:v>
+                </c:pt>
+                <c:pt idx="55">
+                  <c:v>0.17879999999999999</c:v>
+                </c:pt>
+                <c:pt idx="56">
+                  <c:v>0.17879999999999999</c:v>
+                </c:pt>
+                <c:pt idx="57">
+                  <c:v>0.17879999999999999</c:v>
+                </c:pt>
+                <c:pt idx="58">
+                  <c:v>0.17879999999999999</c:v>
+                </c:pt>
+                <c:pt idx="59">
+                  <c:v>0.17879999999999999</c:v>
+                </c:pt>
+              </c:numCache>
+            </c:numRef>
+          </c:yVal>
+          <c:smooth val="0"/>
+          <c:extLst>
+            <c:ext xmlns:c16="http://schemas.microsoft.com/office/drawing/2014/chart" uri="{C3380CC4-5D6E-409C-BE32-E72D297353CC}">
+              <c16:uniqueId val="{00000001-3DE1-4B42-9D6A-E555A8521A86}"/>
+            </c:ext>
+          </c:extLst>
+        </c:ser>
+        <c:ser>
+          <c:idx val="2"/>
+          <c:order val="2"/>
+          <c:tx>
+            <c:v>R_f</c:v>
+          </c:tx>
+          <c:spPr>
+            <a:ln w="25400" cap="rnd">
+              <a:solidFill>
+                <a:srgbClr val="92D050"/>
+              </a:solidFill>
+              <a:round/>
+            </a:ln>
+            <a:effectLst/>
+          </c:spPr>
+          <c:marker>
+            <c:symbol val="circle"/>
+            <c:size val="5"/>
+            <c:spPr>
+              <a:solidFill>
+                <a:schemeClr val="accent2"/>
+              </a:solidFill>
+              <a:ln w="6350">
+                <a:solidFill>
+                  <a:schemeClr val="accent2"/>
+                </a:solidFill>
+              </a:ln>
+              <a:effectLst/>
+            </c:spPr>
+          </c:marker>
+          <c:xVal>
+            <c:numRef>
+              <c:f>Sheet1!$A$2:$A$61</c:f>
+              <c:numCache>
+                <c:formatCode>General</c:formatCode>
+                <c:ptCount val="60"/>
+                <c:pt idx="0">
+                  <c:v>1</c:v>
+                </c:pt>
+                <c:pt idx="1">
+                  <c:v>2</c:v>
+                </c:pt>
+                <c:pt idx="2">
+                  <c:v>3</c:v>
+                </c:pt>
+                <c:pt idx="3">
+                  <c:v>4</c:v>
+                </c:pt>
+                <c:pt idx="4">
+                  <c:v>5</c:v>
+                </c:pt>
+                <c:pt idx="5">
+                  <c:v>6</c:v>
+                </c:pt>
+                <c:pt idx="6">
+                  <c:v>7</c:v>
+                </c:pt>
+                <c:pt idx="7">
+                  <c:v>8</c:v>
+                </c:pt>
+                <c:pt idx="8">
+                  <c:v>9</c:v>
+                </c:pt>
+                <c:pt idx="9">
+                  <c:v>10</c:v>
+                </c:pt>
+                <c:pt idx="10">
+                  <c:v>11</c:v>
+                </c:pt>
+                <c:pt idx="11">
+                  <c:v>12</c:v>
+                </c:pt>
+                <c:pt idx="12">
+                  <c:v>13</c:v>
+                </c:pt>
+                <c:pt idx="13">
+                  <c:v>14</c:v>
+                </c:pt>
+                <c:pt idx="14">
+                  <c:v>15</c:v>
+                </c:pt>
+                <c:pt idx="15">
+                  <c:v>16</c:v>
+                </c:pt>
+                <c:pt idx="16">
+                  <c:v>17</c:v>
+                </c:pt>
+                <c:pt idx="17">
+                  <c:v>18</c:v>
+                </c:pt>
+                <c:pt idx="18">
+                  <c:v>19</c:v>
+                </c:pt>
+                <c:pt idx="19">
+                  <c:v>20</c:v>
+                </c:pt>
+                <c:pt idx="20">
+                  <c:v>21</c:v>
+                </c:pt>
+                <c:pt idx="21">
+                  <c:v>22</c:v>
+                </c:pt>
+                <c:pt idx="22">
+                  <c:v>23</c:v>
+                </c:pt>
+                <c:pt idx="23">
+                  <c:v>24</c:v>
+                </c:pt>
+                <c:pt idx="24">
+                  <c:v>25</c:v>
+                </c:pt>
+                <c:pt idx="25">
+                  <c:v>26</c:v>
+                </c:pt>
+                <c:pt idx="26">
+                  <c:v>27</c:v>
+                </c:pt>
+                <c:pt idx="27">
+                  <c:v>28</c:v>
+                </c:pt>
+                <c:pt idx="28">
+                  <c:v>29</c:v>
+                </c:pt>
+                <c:pt idx="29">
+                  <c:v>30</c:v>
+                </c:pt>
+                <c:pt idx="30">
+                  <c:v>31</c:v>
+                </c:pt>
+                <c:pt idx="31">
+                  <c:v>32</c:v>
+                </c:pt>
+                <c:pt idx="32">
+                  <c:v>33</c:v>
+                </c:pt>
+                <c:pt idx="33">
+                  <c:v>34</c:v>
+                </c:pt>
+                <c:pt idx="34">
+                  <c:v>35</c:v>
+                </c:pt>
+                <c:pt idx="35">
+                  <c:v>36</c:v>
+                </c:pt>
+                <c:pt idx="36">
+                  <c:v>37</c:v>
+                </c:pt>
+                <c:pt idx="37">
+                  <c:v>38</c:v>
+                </c:pt>
+                <c:pt idx="38">
+                  <c:v>39</c:v>
+                </c:pt>
+                <c:pt idx="39">
+                  <c:v>40</c:v>
+                </c:pt>
+                <c:pt idx="40">
+                  <c:v>41</c:v>
+                </c:pt>
+                <c:pt idx="41">
+                  <c:v>42</c:v>
+                </c:pt>
+                <c:pt idx="42">
+                  <c:v>43</c:v>
+                </c:pt>
+                <c:pt idx="43">
+                  <c:v>44</c:v>
+                </c:pt>
+                <c:pt idx="44">
+                  <c:v>45</c:v>
+                </c:pt>
+                <c:pt idx="45">
+                  <c:v>46</c:v>
+                </c:pt>
+                <c:pt idx="46">
+                  <c:v>47</c:v>
+                </c:pt>
+                <c:pt idx="47">
+                  <c:v>48</c:v>
+                </c:pt>
+                <c:pt idx="48">
+                  <c:v>49</c:v>
+                </c:pt>
+                <c:pt idx="49">
+                  <c:v>50</c:v>
+                </c:pt>
+                <c:pt idx="50">
+                  <c:v>51</c:v>
+                </c:pt>
+                <c:pt idx="51">
+                  <c:v>52</c:v>
+                </c:pt>
+                <c:pt idx="52">
+                  <c:v>53</c:v>
+                </c:pt>
+                <c:pt idx="53">
+                  <c:v>54</c:v>
+                </c:pt>
+                <c:pt idx="54">
+                  <c:v>55</c:v>
+                </c:pt>
+                <c:pt idx="55">
+                  <c:v>56</c:v>
+                </c:pt>
+                <c:pt idx="56">
+                  <c:v>57</c:v>
+                </c:pt>
+                <c:pt idx="57">
+                  <c:v>58</c:v>
+                </c:pt>
+                <c:pt idx="58">
+                  <c:v>59</c:v>
+                </c:pt>
+                <c:pt idx="59">
+                  <c:v>60</c:v>
+                </c:pt>
+              </c:numCache>
+            </c:numRef>
+          </c:xVal>
+          <c:yVal>
+            <c:numRef>
+              <c:f>Sheet1!$D$2:$D$61</c:f>
+              <c:numCache>
+                <c:formatCode>General</c:formatCode>
+                <c:ptCount val="60"/>
+                <c:pt idx="0">
+                  <c:v>8.8999999999999999E-3</c:v>
+                </c:pt>
+                <c:pt idx="1">
+                  <c:v>9.4000000000000004E-3</c:v>
+                </c:pt>
+                <c:pt idx="2">
+                  <c:v>9.7999999999999997E-3</c:v>
+                </c:pt>
+                <c:pt idx="3">
+                  <c:v>1.03E-2</c:v>
+                </c:pt>
+                <c:pt idx="4">
+                  <c:v>1.0699999999999999E-2</c:v>
+                </c:pt>
+                <c:pt idx="5">
+                  <c:v>1.11E-2</c:v>
+                </c:pt>
+                <c:pt idx="6">
+                  <c:v>1.14E-2</c:v>
+                </c:pt>
+                <c:pt idx="7">
+                  <c:v>1.18E-2</c:v>
+                </c:pt>
+                <c:pt idx="8">
+                  <c:v>1.2200000000000001E-2</c:v>
+                </c:pt>
+                <c:pt idx="9">
+                  <c:v>1.2500000000000001E-2</c:v>
+                </c:pt>
+                <c:pt idx="10">
+                  <c:v>1.2800000000000001E-2</c:v>
+                </c:pt>
+                <c:pt idx="11">
+                  <c:v>1.3100000000000001E-2</c:v>
+                </c:pt>
+                <c:pt idx="12">
+                  <c:v>1.34E-2</c:v>
+                </c:pt>
+                <c:pt idx="13">
+                  <c:v>1.37E-2</c:v>
+                </c:pt>
+                <c:pt idx="14">
+                  <c:v>1.4E-2</c:v>
+                </c:pt>
+                <c:pt idx="15">
+                  <c:v>1.43E-2</c:v>
+                </c:pt>
+                <c:pt idx="16">
+                  <c:v>1.46E-2</c:v>
+                </c:pt>
+                <c:pt idx="17">
+                  <c:v>1.4800000000000001E-2</c:v>
+                </c:pt>
+                <c:pt idx="18">
+                  <c:v>1.5100000000000001E-2</c:v>
+                </c:pt>
+                <c:pt idx="19">
+                  <c:v>1.5299999999999999E-2</c:v>
+                </c:pt>
+                <c:pt idx="20">
+                  <c:v>1.5599999999999999E-2</c:v>
+                </c:pt>
+                <c:pt idx="21">
+                  <c:v>1.5800000000000002E-2</c:v>
+                </c:pt>
+                <c:pt idx="22">
+                  <c:v>1.6E-2</c:v>
+                </c:pt>
+                <c:pt idx="23">
+                  <c:v>1.6199999999999999E-2</c:v>
+                </c:pt>
+                <c:pt idx="24">
+                  <c:v>1.6500000000000001E-2</c:v>
+                </c:pt>
+                <c:pt idx="25">
+                  <c:v>1.67E-2</c:v>
+                </c:pt>
+                <c:pt idx="26">
+                  <c:v>1.6899999999999998E-2</c:v>
+                </c:pt>
+                <c:pt idx="27">
+                  <c:v>1.7100000000000001E-2</c:v>
+                </c:pt>
+                <c:pt idx="28">
+                  <c:v>1.72E-2</c:v>
+                </c:pt>
+                <c:pt idx="29">
+                  <c:v>1.7399999999999999E-2</c:v>
+                </c:pt>
+                <c:pt idx="30">
+                  <c:v>1.7600000000000001E-2</c:v>
+                </c:pt>
+                <c:pt idx="31">
+                  <c:v>1.78E-2</c:v>
+                </c:pt>
+                <c:pt idx="32">
+                  <c:v>1.7999999999999999E-2</c:v>
+                </c:pt>
+                <c:pt idx="33">
+                  <c:v>1.8100000000000002E-2</c:v>
+                </c:pt>
+                <c:pt idx="34">
+                  <c:v>1.83E-2</c:v>
+                </c:pt>
+                <c:pt idx="35">
+                  <c:v>1.8499999999999999E-2</c:v>
+                </c:pt>
+                <c:pt idx="36">
+                  <c:v>1.8599999999999998E-2</c:v>
+                </c:pt>
+                <c:pt idx="37">
+                  <c:v>1.8800000000000001E-2</c:v>
+                </c:pt>
+                <c:pt idx="38">
+                  <c:v>1.89E-2</c:v>
+                </c:pt>
+                <c:pt idx="39">
+                  <c:v>1.9099999999999999E-2</c:v>
+                </c:pt>
+                <c:pt idx="40">
+                  <c:v>1.9199999999999998E-2</c:v>
+                </c:pt>
+                <c:pt idx="41">
+                  <c:v>1.9400000000000001E-2</c:v>
+                </c:pt>
+                <c:pt idx="42">
+                  <c:v>1.95E-2</c:v>
+                </c:pt>
+                <c:pt idx="43">
+                  <c:v>1.9599999999999999E-2</c:v>
+                </c:pt>
+                <c:pt idx="44">
+                  <c:v>1.9800000000000002E-2</c:v>
+                </c:pt>
+                <c:pt idx="45">
+                  <c:v>1.9900000000000001E-2</c:v>
+                </c:pt>
+                <c:pt idx="46">
+                  <c:v>0.02</c:v>
+                </c:pt>
+                <c:pt idx="47">
+                  <c:v>2.01E-2</c:v>
+                </c:pt>
+                <c:pt idx="48">
+                  <c:v>2.0299999999999999E-2</c:v>
+                </c:pt>
+                <c:pt idx="49">
+                  <c:v>2.0400000000000001E-2</c:v>
+                </c:pt>
+                <c:pt idx="50">
+                  <c:v>2.0400000000000001E-2</c:v>
+                </c:pt>
+                <c:pt idx="51">
+                  <c:v>2.0400000000000001E-2</c:v>
+                </c:pt>
+                <c:pt idx="52">
+                  <c:v>2.0400000000000001E-2</c:v>
+                </c:pt>
+                <c:pt idx="53">
+                  <c:v>2.0400000000000001E-2</c:v>
+                </c:pt>
+                <c:pt idx="54">
+                  <c:v>2.0400000000000001E-2</c:v>
+                </c:pt>
+                <c:pt idx="55">
+                  <c:v>2.0400000000000001E-2</c:v>
+                </c:pt>
+                <c:pt idx="56">
+                  <c:v>2.0400000000000001E-2</c:v>
+                </c:pt>
+                <c:pt idx="57">
+                  <c:v>2.0400000000000001E-2</c:v>
+                </c:pt>
+                <c:pt idx="58">
+                  <c:v>2.0400000000000001E-2</c:v>
+                </c:pt>
+                <c:pt idx="59">
+                  <c:v>2.0400000000000001E-2</c:v>
+                </c:pt>
+              </c:numCache>
+            </c:numRef>
+          </c:yVal>
+          <c:smooth val="0"/>
+          <c:extLst>
+            <c:ext xmlns:c16="http://schemas.microsoft.com/office/drawing/2014/chart" uri="{C3380CC4-5D6E-409C-BE32-E72D297353CC}">
+              <c16:uniqueId val="{00000002-3DE1-4B42-9D6A-E555A8521A86}"/>
             </c:ext>
           </c:extLst>
         </c:ser>
@@ -821,6 +1704,37 @@
         <a:effectLst/>
       </c:spPr>
     </c:plotArea>
+    <c:legend>
+      <c:legendPos val="r"/>
+      <c:overlay val="0"/>
+      <c:spPr>
+        <a:noFill/>
+        <a:ln>
+          <a:noFill/>
+        </a:ln>
+        <a:effectLst/>
+      </c:spPr>
+      <c:txPr>
+        <a:bodyPr rot="0" spcFirstLastPara="1" vertOverflow="ellipsis" vert="horz" wrap="square" anchor="ctr" anchorCtr="1"/>
+        <a:lstStyle/>
+        <a:p>
+          <a:pPr>
+            <a:defRPr sz="900" b="0" i="0" u="none" strike="noStrike" kern="1200" baseline="0">
+              <a:solidFill>
+                <a:schemeClr val="tx1">
+                  <a:lumMod val="65000"/>
+                  <a:lumOff val="35000"/>
+                </a:schemeClr>
+              </a:solidFill>
+              <a:latin typeface="Times New Roman" panose="02020603050405020304" pitchFamily="18" charset="0"/>
+              <a:ea typeface="+mn-ea"/>
+              <a:cs typeface="Times New Roman" panose="02020603050405020304" pitchFamily="18" charset="0"/>
+            </a:defRPr>
+          </a:pPr>
+          <a:endParaRPr lang="en-US"/>
+        </a:p>
+      </c:txPr>
+    </c:legend>
     <c:plotVisOnly val="1"/>
     <c:dispBlanksAs val="gap"/>
     <c:showDLblsOverMax val="0"/>
@@ -1577,7 +2491,7 @@
           <a:p>
             <a:fld id="{4204598D-20C2-7744-B8B6-B7B72F6667AE}" type="datetimeFigureOut">
               <a:rPr lang="en-US" smtClean="0"/>
-              <a:t>9/8/22</a:t>
+              <a:t>9/9/22</a:t>
             </a:fld>
             <a:endParaRPr lang="en-US"/>
           </a:p>
@@ -1844,7 +2758,7 @@
           <a:p>
             <a:fld id="{4204598D-20C2-7744-B8B6-B7B72F6667AE}" type="datetimeFigureOut">
               <a:rPr lang="en-US" smtClean="0"/>
-              <a:t>9/8/22</a:t>
+              <a:t>9/9/22</a:t>
             </a:fld>
             <a:endParaRPr lang="en-US"/>
           </a:p>
@@ -2075,7 +2989,7 @@
           <a:p>
             <a:fld id="{4204598D-20C2-7744-B8B6-B7B72F6667AE}" type="datetimeFigureOut">
               <a:rPr lang="en-US" smtClean="0"/>
-              <a:t>9/8/22</a:t>
+              <a:t>9/9/22</a:t>
             </a:fld>
             <a:endParaRPr lang="en-US"/>
           </a:p>
@@ -2385,7 +3299,7 @@
           <a:p>
             <a:fld id="{4204598D-20C2-7744-B8B6-B7B72F6667AE}" type="datetimeFigureOut">
               <a:rPr lang="en-US" smtClean="0"/>
-              <a:t>9/8/22</a:t>
+              <a:t>9/9/22</a:t>
             </a:fld>
             <a:endParaRPr lang="en-US"/>
           </a:p>
@@ -2858,7 +3772,7 @@
           <a:p>
             <a:fld id="{4204598D-20C2-7744-B8B6-B7B72F6667AE}" type="datetimeFigureOut">
               <a:rPr lang="en-US" smtClean="0"/>
-              <a:t>9/8/22</a:t>
+              <a:t>9/9/22</a:t>
             </a:fld>
             <a:endParaRPr lang="en-US"/>
           </a:p>
@@ -3405,7 +4319,7 @@
           <a:p>
             <a:fld id="{4204598D-20C2-7744-B8B6-B7B72F6667AE}" type="datetimeFigureOut">
               <a:rPr lang="en-US" smtClean="0"/>
-              <a:t>9/8/22</a:t>
+              <a:t>9/9/22</a:t>
             </a:fld>
             <a:endParaRPr lang="en-US"/>
           </a:p>
@@ -4179,7 +5093,7 @@
           <a:p>
             <a:fld id="{4204598D-20C2-7744-B8B6-B7B72F6667AE}" type="datetimeFigureOut">
               <a:rPr lang="en-US" smtClean="0"/>
-              <a:t>9/8/22</a:t>
+              <a:t>9/9/22</a:t>
             </a:fld>
             <a:endParaRPr lang="en-US"/>
           </a:p>
@@ -4354,7 +5268,7 @@
           <a:p>
             <a:fld id="{4204598D-20C2-7744-B8B6-B7B72F6667AE}" type="datetimeFigureOut">
               <a:rPr lang="en-US" smtClean="0"/>
-              <a:t>9/8/22</a:t>
+              <a:t>9/9/22</a:t>
             </a:fld>
             <a:endParaRPr lang="en-US"/>
           </a:p>
@@ -4577,7 +5491,7 @@
           <a:p>
             <a:fld id="{4204598D-20C2-7744-B8B6-B7B72F6667AE}" type="datetimeFigureOut">
               <a:rPr lang="en-US" smtClean="0"/>
-              <a:t>9/8/22</a:t>
+              <a:t>9/9/22</a:t>
             </a:fld>
             <a:endParaRPr lang="en-US"/>
           </a:p>
@@ -4757,7 +5671,7 @@
           <a:p>
             <a:fld id="{4204598D-20C2-7744-B8B6-B7B72F6667AE}" type="datetimeFigureOut">
               <a:rPr lang="en-US" smtClean="0"/>
-              <a:t>9/8/22</a:t>
+              <a:t>9/9/22</a:t>
             </a:fld>
             <a:endParaRPr lang="en-US"/>
           </a:p>
@@ -5046,7 +5960,7 @@
           <a:p>
             <a:fld id="{4204598D-20C2-7744-B8B6-B7B72F6667AE}" type="datetimeFigureOut">
               <a:rPr lang="en-US" smtClean="0"/>
-              <a:t>9/8/22</a:t>
+              <a:t>9/9/22</a:t>
             </a:fld>
             <a:endParaRPr lang="en-US"/>
           </a:p>
@@ -5288,7 +6202,7 @@
           <a:p>
             <a:fld id="{4204598D-20C2-7744-B8B6-B7B72F6667AE}" type="datetimeFigureOut">
               <a:rPr lang="en-US" smtClean="0"/>
-              <a:t>9/8/22</a:t>
+              <a:t>9/9/22</a:t>
             </a:fld>
             <a:endParaRPr lang="en-US"/>
           </a:p>
@@ -5672,7 +6586,7 @@
           <a:p>
             <a:fld id="{4204598D-20C2-7744-B8B6-B7B72F6667AE}" type="datetimeFigureOut">
               <a:rPr lang="en-US" smtClean="0"/>
-              <a:t>9/8/22</a:t>
+              <a:t>9/9/22</a:t>
             </a:fld>
             <a:endParaRPr lang="en-US"/>
           </a:p>
@@ -5795,7 +6709,7 @@
           <a:p>
             <a:fld id="{4204598D-20C2-7744-B8B6-B7B72F6667AE}" type="datetimeFigureOut">
               <a:rPr lang="en-US" smtClean="0"/>
-              <a:t>9/8/22</a:t>
+              <a:t>9/9/22</a:t>
             </a:fld>
             <a:endParaRPr lang="en-US"/>
           </a:p>
@@ -5890,7 +6804,7 @@
           <a:p>
             <a:fld id="{4204598D-20C2-7744-B8B6-B7B72F6667AE}" type="datetimeFigureOut">
               <a:rPr lang="en-US" smtClean="0"/>
-              <a:t>9/8/22</a:t>
+              <a:t>9/9/22</a:t>
             </a:fld>
             <a:endParaRPr lang="en-US"/>
           </a:p>
@@ -6139,7 +7053,7 @@
           <a:p>
             <a:fld id="{4204598D-20C2-7744-B8B6-B7B72F6667AE}" type="datetimeFigureOut">
               <a:rPr lang="en-US" smtClean="0"/>
-              <a:t>9/8/22</a:t>
+              <a:t>9/9/22</a:t>
             </a:fld>
             <a:endParaRPr lang="en-US"/>
           </a:p>
@@ -6401,7 +7315,7 @@
           <a:p>
             <a:fld id="{4204598D-20C2-7744-B8B6-B7B72F6667AE}" type="datetimeFigureOut">
               <a:rPr lang="en-US" smtClean="0"/>
-              <a:t>9/8/22</a:t>
+              <a:t>9/9/22</a:t>
             </a:fld>
             <a:endParaRPr lang="en-US"/>
           </a:p>
@@ -6644,7 +7558,7 @@
           <a:p>
             <a:fld id="{4204598D-20C2-7744-B8B6-B7B72F6667AE}" type="datetimeFigureOut">
               <a:rPr lang="en-US" smtClean="0"/>
-              <a:t>9/8/22</a:t>
+              <a:t>9/9/22</a:t>
             </a:fld>
             <a:endParaRPr lang="en-US"/>
           </a:p>
@@ -7194,7 +8108,7 @@
       </p:sp>
       <p:graphicFrame>
         <p:nvGraphicFramePr>
-          <p:cNvPr id="3" name="Chart 2">
+          <p:cNvPr id="7" name="Chart 6">
             <a:extLst>
               <a:ext uri="{FF2B5EF4-FFF2-40B4-BE49-F238E27FC236}">
                 <a16:creationId xmlns:a16="http://schemas.microsoft.com/office/drawing/2014/main" id="{5B11C686-AE42-F3A3-6B73-D4761ADC3744}"/>
@@ -7207,8 +8121,8 @@
           <p:nvPr/>
         </p:nvGraphicFramePr>
         <p:xfrm>
-          <a:off x="2403373" y="1915886"/>
-          <a:ext cx="6893027" cy="4796594"/>
+          <a:off x="2662061" y="1818290"/>
+          <a:ext cx="6867877" cy="4889310"/>
         </p:xfrm>
         <a:graphic>
           <a:graphicData uri="http://schemas.openxmlformats.org/drawingml/2006/chart">
@@ -7219,7 +8133,7 @@
     </p:spTree>
     <p:extLst>
       <p:ext uri="{BB962C8B-B14F-4D97-AF65-F5344CB8AC3E}">
-        <p14:creationId xmlns:p14="http://schemas.microsoft.com/office/powerpoint/2010/main" val="3043740379"/>
+        <p14:creationId xmlns:p14="http://schemas.microsoft.com/office/powerpoint/2010/main" val="3803791354"/>
       </p:ext>
     </p:extLst>
   </p:cSld>
@@ -7455,6 +8369,17 @@
               <a:rPr lang="en-US" dirty="0"/>
               <a:t> model (once that’s implemented)</a:t>
             </a:r>
+          </a:p>
+          <a:p>
+            <a:r>
+              <a:rPr lang="en-US" dirty="0"/>
+              <a:t>Create a cross section of the winds to see how much the upper level winds are impacting the wind speeds </a:t>
+            </a:r>
+            <a:r>
+              <a:rPr lang="en-US"/>
+              <a:t>with the many waves </a:t>
+            </a:r>
+            <a:endParaRPr lang="en-US" dirty="0"/>
           </a:p>
           <a:p>
             <a:pPr marL="0" indent="0">
